--- a/week 06/Tango with Django - III.pptx
+++ b/week 06/Tango with Django - III.pptx
@@ -66,19 +66,19 @@
   <p:notesSz cx="6858000" cy="9144000"/>
   <p:embeddedFontLst>
     <p:embeddedFont>
-      <p:font typeface="Open Sans Light" panose="020B0604020202020204" charset="0"/>
+      <p:font typeface="腾祥嘉丽线黑简" panose="02010600030101010101" charset="-122"/>
       <p:regular r:id="rId56"/>
     </p:embeddedFont>
     <p:embeddedFont>
-      <p:font typeface="腾祥嘉丽线黑简" panose="02010600030101010101" charset="-122"/>
+      <p:font typeface="Calibri" panose="020F0502020204030204" pitchFamily="34" charset="0"/>
       <p:regular r:id="rId57"/>
+      <p:bold r:id="rId58"/>
+      <p:italic r:id="rId59"/>
+      <p:boldItalic r:id="rId60"/>
     </p:embeddedFont>
     <p:embeddedFont>
-      <p:font typeface="Calibri" panose="020F0502020204030204" pitchFamily="34" charset="0"/>
-      <p:regular r:id="rId58"/>
-      <p:bold r:id="rId59"/>
-      <p:italic r:id="rId60"/>
-      <p:boldItalic r:id="rId61"/>
+      <p:font typeface="Open Sans Light" panose="020B0604020202020204" charset="0"/>
+      <p:regular r:id="rId61"/>
     </p:embeddedFont>
   </p:embeddedFontLst>
   <p:defaultTextStyle>
@@ -277,7 +277,7 @@
           <a:p>
             <a:fld id="{12A1B15B-700E-46AB-9A80-FC80413FA208}" type="datetimeFigureOut">
               <a:rPr lang="zh-CN" altLang="en-US" smtClean="0"/>
-              <a:t>2017/5/22</a:t>
+              <a:t>2018/5/27</a:t>
             </a:fld>
             <a:endParaRPr lang="zh-CN" altLang="en-US"/>
           </a:p>
@@ -827,7 +827,7 @@
           <a:p>
             <a:fld id="{BF353E24-75C5-4466-B8AD-0A8FC8EA8740}" type="datetimeFigureOut">
               <a:rPr lang="zh-CN" altLang="en-US" smtClean="0"/>
-              <a:t>2017/5/22</a:t>
+              <a:t>2018/5/27</a:t>
             </a:fld>
             <a:endParaRPr lang="zh-CN" altLang="en-US"/>
           </a:p>
@@ -1635,7 +1635,7 @@
           <a:p>
             <a:fld id="{BF353E24-75C5-4466-B8AD-0A8FC8EA8740}" type="datetimeFigureOut">
               <a:rPr lang="zh-CN" altLang="en-US" smtClean="0"/>
-              <a:t>2017/5/22</a:t>
+              <a:t>2018/5/27</a:t>
             </a:fld>
             <a:endParaRPr lang="zh-CN" altLang="en-US"/>
           </a:p>
@@ -2006,7 +2006,7 @@
             <a:fld id="{BF353E24-75C5-4466-B8AD-0A8FC8EA8740}" type="datetimeFigureOut">
               <a:rPr lang="zh-CN" altLang="en-US" smtClean="0"/>
               <a:pPr/>
-              <a:t>2017/5/22</a:t>
+              <a:t>2018/5/27</a:t>
             </a:fld>
             <a:endParaRPr lang="zh-CN" altLang="en-US" dirty="0"/>
           </a:p>
@@ -2603,7 +2603,7 @@
           <a:p>
             <a:fld id="{BF353E24-75C5-4466-B8AD-0A8FC8EA8740}" type="datetimeFigureOut">
               <a:rPr lang="zh-CN" altLang="en-US" smtClean="0"/>
-              <a:t>2017/5/22</a:t>
+              <a:t>2018/5/27</a:t>
             </a:fld>
             <a:endParaRPr lang="zh-CN" altLang="en-US"/>
           </a:p>
@@ -3033,7 +3033,7 @@
           <a:p>
             <a:fld id="{BF353E24-75C5-4466-B8AD-0A8FC8EA8740}" type="datetimeFigureOut">
               <a:rPr lang="zh-CN" altLang="en-US" smtClean="0"/>
-              <a:t>2017/5/22</a:t>
+              <a:t>2018/5/27</a:t>
             </a:fld>
             <a:endParaRPr lang="zh-CN" altLang="en-US"/>
           </a:p>
@@ -3932,7 +3932,7 @@
           <a:p>
             <a:fld id="{BF353E24-75C5-4466-B8AD-0A8FC8EA8740}" type="datetimeFigureOut">
               <a:rPr lang="zh-CN" altLang="en-US" smtClean="0"/>
-              <a:t>2017/5/22</a:t>
+              <a:t>2018/5/27</a:t>
             </a:fld>
             <a:endParaRPr lang="zh-CN" altLang="en-US"/>
           </a:p>
@@ -4318,7 +4318,7 @@
           <a:p>
             <a:fld id="{BF353E24-75C5-4466-B8AD-0A8FC8EA8740}" type="datetimeFigureOut">
               <a:rPr lang="zh-CN" altLang="en-US" smtClean="0"/>
-              <a:t>2017/5/22</a:t>
+              <a:t>2018/5/27</a:t>
             </a:fld>
             <a:endParaRPr lang="zh-CN" altLang="en-US"/>
           </a:p>
@@ -4533,7 +4533,7 @@
           <a:p>
             <a:fld id="{BF353E24-75C5-4466-B8AD-0A8FC8EA8740}" type="datetimeFigureOut">
               <a:rPr lang="zh-CN" altLang="en-US" smtClean="0"/>
-              <a:t>2017/5/22</a:t>
+              <a:t>2018/5/27</a:t>
             </a:fld>
             <a:endParaRPr lang="zh-CN" altLang="en-US"/>
           </a:p>
@@ -4767,7 +4767,7 @@
             <a:fld id="{BF353E24-75C5-4466-B8AD-0A8FC8EA8740}" type="datetimeFigureOut">
               <a:rPr lang="zh-CN" altLang="en-US" smtClean="0"/>
               <a:pPr/>
-              <a:t>2017/5/22</a:t>
+              <a:t>2018/5/27</a:t>
             </a:fld>
             <a:endParaRPr lang="zh-CN" altLang="en-US"/>
           </a:p>
@@ -10037,7 +10037,7 @@
         </p:spPr>
         <p:txBody>
           <a:bodyPr>
-            <a:normAutofit lnSpcReduction="10000"/>
+            <a:normAutofit fontScale="92500"/>
           </a:bodyPr>
           <a:lstStyle/>
           <a:p>
@@ -10136,12 +10136,17 @@
             </a:r>
             <a:r>
               <a:rPr lang="zh-CN" altLang="en-US" dirty="0"/>
-              <a:t>改成</a:t>
-            </a:r>
-            <a:r>
-              <a:rPr lang="en-US" altLang="zh-CN" dirty="0"/>
-              <a:t>http://getbootstrap.com</a:t>
-            </a:r>
+              <a:t>改</a:t>
+            </a:r>
+            <a:r>
+              <a:rPr lang="zh-CN" altLang="en-US" dirty="0" smtClean="0"/>
+              <a:t>成</a:t>
+            </a:r>
+            <a:r>
+              <a:rPr lang="en-US" altLang="zh-CN" dirty="0"/>
+              <a:t>https://getbootstrap.com/docs/3.3</a:t>
+            </a:r>
+            <a:endParaRPr lang="en-US" altLang="zh-CN" dirty="0" smtClean="0"/>
           </a:p>
           <a:p>
             <a:pPr marL="800100" lvl="1" indent="-342900">
@@ -10149,21 +10154,22 @@
               <a:buChar char="Ø"/>
             </a:pPr>
             <a:r>
-              <a:rPr lang="zh-CN" altLang="en-US" dirty="0"/>
+              <a:rPr lang="zh-CN" altLang="en-US" dirty="0" smtClean="0"/>
               <a:t>修改</a:t>
             </a:r>
             <a:r>
-              <a:rPr lang="en-US" altLang="zh-CN" dirty="0"/>
+              <a:rPr lang="en-US" altLang="zh-CN" dirty="0" smtClean="0"/>
               <a:t>dashboard.css</a:t>
             </a:r>
             <a:r>
-              <a:rPr lang="zh-CN" altLang="en-US" dirty="0"/>
+              <a:rPr lang="zh-CN" altLang="en-US" dirty="0" smtClean="0"/>
               <a:t>为绝对路径</a:t>
             </a:r>
             <a:r>
               <a:rPr lang="en-US" altLang="zh-CN" dirty="0"/>
-              <a:t>http://getbootstrap.com/examples/dashboard/dashboard.css</a:t>
-            </a:r>
+              <a:t>https://getbootstrap.com/docs/3.3/examples/dashboard/dashboard.css</a:t>
+            </a:r>
+            <a:endParaRPr lang="en-US" altLang="zh-CN" dirty="0" smtClean="0"/>
           </a:p>
           <a:p>
             <a:pPr marL="800100" lvl="1" indent="-342900">
@@ -10171,8 +10177,12 @@
               <a:buChar char="Ø"/>
             </a:pPr>
             <a:r>
-              <a:rPr lang="zh-CN" altLang="en-US" dirty="0"/>
-              <a:t>起初顶部导航栏的搜索表单</a:t>
+              <a:rPr lang="zh-CN" altLang="en-US" dirty="0" smtClean="0"/>
+              <a:t>起初</a:t>
+            </a:r>
+            <a:r>
+              <a:rPr lang="zh-CN" altLang="en-US" dirty="0"/>
+              <a:t>顶部导航栏的搜索表单</a:t>
             </a:r>
           </a:p>
           <a:p>
@@ -10654,7 +10664,7 @@
         <p:spPr>
           <a:xfrm>
             <a:off x="107504" y="1412776"/>
-            <a:ext cx="8928992" cy="4693593"/>
+            <a:ext cx="8928992" cy="4924425"/>
           </a:xfrm>
           <a:prstGeom prst="rect">
             <a:avLst/>
@@ -11659,13 +11669,31 @@
               <a:t>href</a:t>
             </a:r>
             <a:r>
+              <a:rPr lang="en-US" altLang="zh-CN" sz="1500" dirty="0" smtClean="0">
+                <a:solidFill>
+                  <a:srgbClr val="000080"/>
+                </a:solidFill>
+                <a:latin typeface="Menlo"/>
+              </a:rPr>
+              <a:t>=</a:t>
+            </a:r>
+            <a:r>
               <a:rPr lang="en-US" altLang="zh-CN" sz="1500" dirty="0">
                 <a:solidFill>
-                  <a:srgbClr val="000080"/>
-                </a:solidFill>
-                <a:latin typeface="Menlo"/>
-              </a:rPr>
-              <a:t>=</a:t>
+                  <a:srgbClr val="DD1144"/>
+                </a:solidFill>
+                <a:latin typeface="Menlo"/>
+              </a:rPr>
+              <a:t>"https://getbootstrap.com/docs/3.3/dist/</a:t>
+            </a:r>
+            <a:r>
+              <a:rPr lang="en-US" altLang="zh-CN" sz="1500" dirty="0" err="1">
+                <a:solidFill>
+                  <a:srgbClr val="DD1144"/>
+                </a:solidFill>
+                <a:latin typeface="Menlo"/>
+              </a:rPr>
+              <a:t>css</a:t>
             </a:r>
             <a:r>
               <a:rPr lang="en-US" altLang="zh-CN" sz="1500" dirty="0">
@@ -11674,25 +11702,16 @@
                 </a:solidFill>
                 <a:latin typeface="Menlo"/>
               </a:rPr>
-              <a:t>"http://getbootstrap.com/dist/</a:t>
-            </a:r>
-            <a:r>
-              <a:rPr lang="en-US" altLang="zh-CN" sz="1500" dirty="0" err="1">
+              <a:t>/bootstrap.min.css</a:t>
+            </a:r>
+            <a:r>
+              <a:rPr lang="en-US" altLang="zh-CN" sz="1500" dirty="0">
                 <a:solidFill>
                   <a:srgbClr val="DD1144"/>
                 </a:solidFill>
                 <a:latin typeface="Menlo"/>
               </a:rPr>
-              <a:t>css</a:t>
-            </a:r>
-            <a:r>
-              <a:rPr lang="en-US" altLang="zh-CN" sz="1500" dirty="0">
-                <a:solidFill>
-                  <a:srgbClr val="DD1144"/>
-                </a:solidFill>
-                <a:latin typeface="Menlo"/>
-              </a:rPr>
-              <a:t>/bootstrap.min.css"</a:t>
+              <a:t>"</a:t>
             </a:r>
             <a:r>
               <a:rPr lang="en-US" altLang="zh-CN" sz="1500" dirty="0">
@@ -11802,13 +11821,22 @@
               <a:t>href</a:t>
             </a:r>
             <a:r>
+              <a:rPr lang="en-US" altLang="zh-CN" sz="1500" dirty="0" smtClean="0">
+                <a:solidFill>
+                  <a:srgbClr val="000080"/>
+                </a:solidFill>
+                <a:latin typeface="Menlo"/>
+              </a:rPr>
+              <a:t>=</a:t>
+            </a:r>
+            <a:r>
               <a:rPr lang="en-US" altLang="zh-CN" sz="1500" dirty="0">
                 <a:solidFill>
-                  <a:srgbClr val="000080"/>
-                </a:solidFill>
-                <a:latin typeface="Menlo"/>
-              </a:rPr>
-              <a:t>=</a:t>
+                  <a:srgbClr val="DD1144"/>
+                </a:solidFill>
+                <a:latin typeface="Menlo"/>
+              </a:rPr>
+              <a:t>"https://getbootstrap.com/docs/3.3/examples/dashboard/dashboard.css</a:t>
             </a:r>
             <a:r>
               <a:rPr lang="en-US" altLang="zh-CN" sz="1500" dirty="0">
@@ -11817,7 +11845,7 @@
                 </a:solidFill>
                 <a:latin typeface="Menlo"/>
               </a:rPr>
-              <a:t>"http://getbootstrap.com/examples/dashboard/dashboard.css"</a:t>
+              <a:t>"</a:t>
             </a:r>
             <a:r>
               <a:rPr lang="en-US" altLang="zh-CN" sz="1500" dirty="0">
@@ -14954,7 +14982,7 @@
         <p:spPr>
           <a:xfrm>
             <a:off x="179512" y="1052736"/>
-            <a:ext cx="8784976" cy="4401205"/>
+            <a:ext cx="8784976" cy="4616648"/>
           </a:xfrm>
           <a:prstGeom prst="rect">
             <a:avLst/>
@@ -15954,13 +15982,31 @@
               <a:t>src</a:t>
             </a:r>
             <a:r>
+              <a:rPr lang="en-US" altLang="zh-CN" sz="1400" dirty="0" smtClean="0">
+                <a:solidFill>
+                  <a:srgbClr val="000080"/>
+                </a:solidFill>
+                <a:latin typeface="Menlo"/>
+              </a:rPr>
+              <a:t>=</a:t>
+            </a:r>
+            <a:r>
               <a:rPr lang="en-US" altLang="zh-CN" sz="1400" dirty="0">
                 <a:solidFill>
-                  <a:srgbClr val="000080"/>
-                </a:solidFill>
-                <a:latin typeface="Menlo"/>
-              </a:rPr>
-              <a:t>=</a:t>
+                  <a:srgbClr val="DD1144"/>
+                </a:solidFill>
+                <a:latin typeface="Menlo"/>
+              </a:rPr>
+              <a:t>"https://getbootstrap.com/docs/3.3/dist/</a:t>
+            </a:r>
+            <a:r>
+              <a:rPr lang="en-US" altLang="zh-CN" sz="1400" dirty="0" err="1">
+                <a:solidFill>
+                  <a:srgbClr val="DD1144"/>
+                </a:solidFill>
+                <a:latin typeface="Menlo"/>
+              </a:rPr>
+              <a:t>js</a:t>
             </a:r>
             <a:r>
               <a:rPr lang="en-US" altLang="zh-CN" sz="1400" dirty="0">
@@ -15969,25 +16015,16 @@
                 </a:solidFill>
                 <a:latin typeface="Menlo"/>
               </a:rPr>
-              <a:t>"http://getbootstrap.com/dist/</a:t>
-            </a:r>
-            <a:r>
-              <a:rPr lang="en-US" altLang="zh-CN" sz="1400" dirty="0" err="1">
+              <a:t>/bootstrap.min.js</a:t>
+            </a:r>
+            <a:r>
+              <a:rPr lang="en-US" altLang="zh-CN" sz="1400" dirty="0">
                 <a:solidFill>
                   <a:srgbClr val="DD1144"/>
                 </a:solidFill>
                 <a:latin typeface="Menlo"/>
               </a:rPr>
-              <a:t>js</a:t>
-            </a:r>
-            <a:r>
-              <a:rPr lang="en-US" altLang="zh-CN" sz="1400" dirty="0">
-                <a:solidFill>
-                  <a:srgbClr val="DD1144"/>
-                </a:solidFill>
-                <a:latin typeface="Menlo"/>
-              </a:rPr>
-              <a:t>/bootstrap.min.js"</a:t>
+              <a:t>"</a:t>
             </a:r>
             <a:r>
               <a:rPr lang="en-US" altLang="zh-CN" sz="1400" dirty="0">
@@ -16096,13 +16133,31 @@
               <a:t>src</a:t>
             </a:r>
             <a:r>
+              <a:rPr lang="en-US" altLang="zh-CN" sz="1400" dirty="0" smtClean="0">
+                <a:solidFill>
+                  <a:srgbClr val="000080"/>
+                </a:solidFill>
+                <a:latin typeface="Menlo"/>
+              </a:rPr>
+              <a:t>=</a:t>
+            </a:r>
+            <a:r>
               <a:rPr lang="en-US" altLang="zh-CN" sz="1400" dirty="0">
                 <a:solidFill>
-                  <a:srgbClr val="000080"/>
-                </a:solidFill>
-                <a:latin typeface="Menlo"/>
-              </a:rPr>
-              <a:t>=</a:t>
+                  <a:srgbClr val="DD1144"/>
+                </a:solidFill>
+                <a:latin typeface="Menlo"/>
+              </a:rPr>
+              <a:t>"https://getbootstrap.com/docs/3.3/assets/</a:t>
+            </a:r>
+            <a:r>
+              <a:rPr lang="en-US" altLang="zh-CN" sz="1400" dirty="0" err="1">
+                <a:solidFill>
+                  <a:srgbClr val="DD1144"/>
+                </a:solidFill>
+                <a:latin typeface="Menlo"/>
+              </a:rPr>
+              <a:t>js</a:t>
             </a:r>
             <a:r>
               <a:rPr lang="en-US" altLang="zh-CN" sz="1400" dirty="0">
@@ -16111,25 +16166,16 @@
                 </a:solidFill>
                 <a:latin typeface="Menlo"/>
               </a:rPr>
-              <a:t>"http://getbootstrap.com/assets/</a:t>
-            </a:r>
-            <a:r>
-              <a:rPr lang="en-US" altLang="zh-CN" sz="1400" dirty="0" err="1">
+              <a:t>/ie10-viewport-bug-workaround.js</a:t>
+            </a:r>
+            <a:r>
+              <a:rPr lang="en-US" altLang="zh-CN" sz="1400" dirty="0">
                 <a:solidFill>
                   <a:srgbClr val="DD1144"/>
                 </a:solidFill>
                 <a:latin typeface="Menlo"/>
               </a:rPr>
-              <a:t>js</a:t>
-            </a:r>
-            <a:r>
-              <a:rPr lang="en-US" altLang="zh-CN" sz="1400" dirty="0">
-                <a:solidFill>
-                  <a:srgbClr val="DD1144"/>
-                </a:solidFill>
-                <a:latin typeface="Menlo"/>
-              </a:rPr>
-              <a:t>/ie10-viewport-bug-workaround.js"</a:t>
+              <a:t>"</a:t>
             </a:r>
             <a:r>
               <a:rPr lang="en-US" altLang="zh-CN" sz="1400" dirty="0">
@@ -21445,8 +21491,18 @@
               <a:t>查看 </a:t>
             </a:r>
             <a:r>
-              <a:rPr lang="en-US" altLang="zh-CN" dirty="0"/>
-              <a:t>http://getbootstrap.com/examples/signin/ .</a:t>
+              <a:rPr lang="en-US" altLang="zh-CN" dirty="0">
+                <a:latin typeface="Menlo"/>
+              </a:rPr>
+              <a:t>https://getbootstrap.com/docs/3.3</a:t>
+            </a:r>
+            <a:r>
+              <a:rPr lang="en-US" altLang="zh-CN" dirty="0" smtClean="0"/>
+              <a:t>/examples/signin</a:t>
+            </a:r>
+            <a:r>
+              <a:rPr lang="en-US" altLang="zh-CN" dirty="0"/>
+              <a:t>/ .</a:t>
             </a:r>
             <a:r>
               <a:rPr lang="zh-CN" altLang="en-US" dirty="0"/>
@@ -21532,7 +21588,7 @@
         <p:spPr>
           <a:xfrm>
             <a:off x="445895" y="3140968"/>
-            <a:ext cx="8363272" cy="2862322"/>
+            <a:ext cx="8363272" cy="2893100"/>
           </a:xfrm>
           <a:prstGeom prst="rect">
             <a:avLst/>
@@ -21615,7 +21671,7 @@
               <a:t>href</a:t>
             </a:r>
             <a:r>
-              <a:rPr lang="en-US" altLang="zh-CN" sz="1200" dirty="0">
+              <a:rPr lang="en-US" altLang="zh-CN" sz="1200" dirty="0" smtClean="0">
                 <a:solidFill>
                   <a:srgbClr val="333333"/>
                 </a:solidFill>
@@ -21630,7 +21686,7 @@
                 </a:solidFill>
                 <a:latin typeface="Menlo"/>
               </a:rPr>
-              <a:t>"http://getbootstrap.com/examples/</a:t>
+              <a:t>"https://getbootstrap.com/docs/3.3/examples/</a:t>
             </a:r>
             <a:r>
               <a:rPr lang="en-US" altLang="zh-CN" sz="1200" dirty="0" err="1">
@@ -21648,7 +21704,16 @@
                 </a:solidFill>
                 <a:latin typeface="Menlo"/>
               </a:rPr>
-              <a:t>/signin.css"</a:t>
+              <a:t>/signin.css</a:t>
+            </a:r>
+            <a:r>
+              <a:rPr lang="en-US" altLang="zh-CN" sz="1200" dirty="0">
+                <a:solidFill>
+                  <a:srgbClr val="DD1144"/>
+                </a:solidFill>
+                <a:latin typeface="Menlo"/>
+              </a:rPr>
+              <a:t>"</a:t>
             </a:r>
             <a:r>
               <a:rPr lang="en-US" altLang="zh-CN" sz="1200" dirty="0">
@@ -26907,7 +26972,7 @@
               <a:rPr lang="en-US" altLang="zh-CN" dirty="0">
                 <a:hlinkClick r:id="rId2"/>
               </a:rPr>
-              <a:t>http://getbootstrap.com/components</a:t>
+              <a:t>https://getbootstrap.com/docs/3.3/components</a:t>
             </a:r>
             <a:r>
               <a:rPr lang="en-US" altLang="zh-CN" dirty="0" smtClean="0">
